--- a/01numpy_gibon/rank_shape_prob.pptx
+++ b/01numpy_gibon/rank_shape_prob.pptx
@@ -3566,6 +3566,14 @@
     <dgm:pt modelId="{A419F00D-6220-4478-B871-C7CA7588AB5E}">
       <dgm:prSet phldrT="[텍스트]"/>
       <dgm:spPr/>
+      <dgm:t>
+        <a:bodyPr/>
+        <a:lstStyle/>
+        <a:p>
+          <a:pPr latinLnBrk="1"/>
+          <a:endParaRPr lang="ko-KR" altLang="en-US"/>
+        </a:p>
+      </dgm:t>
     </dgm:pt>
     <dgm:pt modelId="{0C824DFE-94BB-445C-B50A-487D5A9051C7}" type="parTrans" cxnId="{1D7F72D5-14E3-4A85-8E86-FF535C7D51F5}">
       <dgm:prSet/>
@@ -3594,6 +3602,14 @@
     <dgm:pt modelId="{35E863E5-5F31-4209-A743-A0B367978F7B}">
       <dgm:prSet phldrT="[텍스트]"/>
       <dgm:spPr/>
+      <dgm:t>
+        <a:bodyPr/>
+        <a:lstStyle/>
+        <a:p>
+          <a:pPr latinLnBrk="1"/>
+          <a:endParaRPr lang="ko-KR" altLang="en-US"/>
+        </a:p>
+      </dgm:t>
     </dgm:pt>
     <dgm:pt modelId="{CEF0623D-4129-4BE0-AC71-DAD79E42A125}" type="parTrans" cxnId="{2A18D821-2CAD-4C3A-A349-10445A0FB35B}">
       <dgm:prSet/>
@@ -3622,6 +3638,14 @@
     <dgm:pt modelId="{5CEA6220-1370-4A59-B311-F4A58456792B}">
       <dgm:prSet phldrT="[텍스트]"/>
       <dgm:spPr/>
+      <dgm:t>
+        <a:bodyPr/>
+        <a:lstStyle/>
+        <a:p>
+          <a:pPr latinLnBrk="1"/>
+          <a:endParaRPr lang="ko-KR" altLang="en-US"/>
+        </a:p>
+      </dgm:t>
     </dgm:pt>
     <dgm:pt modelId="{6C906D8D-B1B1-4F80-AF8D-85803FFFCC3F}" type="parTrans" cxnId="{0D30B4FD-8BC3-4083-AC53-F2ECE7E3FFFA}">
       <dgm:prSet/>
@@ -3650,6 +3674,14 @@
     <dgm:pt modelId="{5266C0F9-DDDA-42DA-BF97-1A538026842A}">
       <dgm:prSet phldrT="[텍스트]"/>
       <dgm:spPr/>
+      <dgm:t>
+        <a:bodyPr/>
+        <a:lstStyle/>
+        <a:p>
+          <a:pPr latinLnBrk="1"/>
+          <a:endParaRPr lang="ko-KR" altLang="en-US"/>
+        </a:p>
+      </dgm:t>
     </dgm:pt>
     <dgm:pt modelId="{7BC6837D-1525-445B-8370-43366DFCA3F1}" type="parTrans" cxnId="{5CD5134F-72D4-461A-8783-02C41C216A0C}">
       <dgm:prSet/>
@@ -3678,6 +3710,14 @@
     <dgm:pt modelId="{8F2B9674-5895-4953-ACF6-00D0D2B8413C}">
       <dgm:prSet phldrT="[텍스트]"/>
       <dgm:spPr/>
+      <dgm:t>
+        <a:bodyPr/>
+        <a:lstStyle/>
+        <a:p>
+          <a:pPr latinLnBrk="1"/>
+          <a:endParaRPr lang="ko-KR" altLang="en-US"/>
+        </a:p>
+      </dgm:t>
     </dgm:pt>
     <dgm:pt modelId="{A4FFD226-4300-410E-96AB-FB5481FE22CA}" type="parTrans" cxnId="{CE52628A-B607-4123-A9BF-FDA1BD2EF842}">
       <dgm:prSet/>
@@ -3706,6 +3746,14 @@
     <dgm:pt modelId="{82501655-5197-4474-AC5B-0BC905E7CEC1}">
       <dgm:prSet phldrT="[텍스트]"/>
       <dgm:spPr/>
+      <dgm:t>
+        <a:bodyPr/>
+        <a:lstStyle/>
+        <a:p>
+          <a:pPr latinLnBrk="1"/>
+          <a:endParaRPr lang="ko-KR" altLang="en-US"/>
+        </a:p>
+      </dgm:t>
     </dgm:pt>
     <dgm:pt modelId="{3AFA3046-2954-4F08-9DD8-58D1A5691F75}" type="parTrans" cxnId="{0CE3E97A-C6CF-48A0-A01F-98CC9B4FE8CD}">
       <dgm:prSet/>
@@ -3996,6 +4044,14 @@
     <dgm:pt modelId="{A419F00D-6220-4478-B871-C7CA7588AB5E}">
       <dgm:prSet phldrT="[텍스트]"/>
       <dgm:spPr/>
+      <dgm:t>
+        <a:bodyPr/>
+        <a:lstStyle/>
+        <a:p>
+          <a:pPr latinLnBrk="1"/>
+          <a:endParaRPr lang="ko-KR" altLang="en-US"/>
+        </a:p>
+      </dgm:t>
     </dgm:pt>
     <dgm:pt modelId="{0C824DFE-94BB-445C-B50A-487D5A9051C7}" type="parTrans" cxnId="{1D7F72D5-14E3-4A85-8E86-FF535C7D51F5}">
       <dgm:prSet/>
@@ -4024,6 +4080,14 @@
     <dgm:pt modelId="{35E863E5-5F31-4209-A743-A0B367978F7B}">
       <dgm:prSet phldrT="[텍스트]"/>
       <dgm:spPr/>
+      <dgm:t>
+        <a:bodyPr/>
+        <a:lstStyle/>
+        <a:p>
+          <a:pPr latinLnBrk="1"/>
+          <a:endParaRPr lang="ko-KR" altLang="en-US"/>
+        </a:p>
+      </dgm:t>
     </dgm:pt>
     <dgm:pt modelId="{CEF0623D-4129-4BE0-AC71-DAD79E42A125}" type="parTrans" cxnId="{2A18D821-2CAD-4C3A-A349-10445A0FB35B}">
       <dgm:prSet/>
@@ -4052,6 +4116,14 @@
     <dgm:pt modelId="{5CEA6220-1370-4A59-B311-F4A58456792B}">
       <dgm:prSet phldrT="[텍스트]"/>
       <dgm:spPr/>
+      <dgm:t>
+        <a:bodyPr/>
+        <a:lstStyle/>
+        <a:p>
+          <a:pPr latinLnBrk="1"/>
+          <a:endParaRPr lang="ko-KR" altLang="en-US"/>
+        </a:p>
+      </dgm:t>
     </dgm:pt>
     <dgm:pt modelId="{6C906D8D-B1B1-4F80-AF8D-85803FFFCC3F}" type="parTrans" cxnId="{0D30B4FD-8BC3-4083-AC53-F2ECE7E3FFFA}">
       <dgm:prSet/>
@@ -4080,6 +4152,14 @@
     <dgm:pt modelId="{5266C0F9-DDDA-42DA-BF97-1A538026842A}">
       <dgm:prSet phldrT="[텍스트]"/>
       <dgm:spPr/>
+      <dgm:t>
+        <a:bodyPr/>
+        <a:lstStyle/>
+        <a:p>
+          <a:pPr latinLnBrk="1"/>
+          <a:endParaRPr lang="ko-KR" altLang="en-US"/>
+        </a:p>
+      </dgm:t>
     </dgm:pt>
     <dgm:pt modelId="{7BC6837D-1525-445B-8370-43366DFCA3F1}" type="parTrans" cxnId="{5CD5134F-72D4-461A-8783-02C41C216A0C}">
       <dgm:prSet/>
@@ -4108,6 +4188,14 @@
     <dgm:pt modelId="{8F2B9674-5895-4953-ACF6-00D0D2B8413C}">
       <dgm:prSet phldrT="[텍스트]"/>
       <dgm:spPr/>
+      <dgm:t>
+        <a:bodyPr/>
+        <a:lstStyle/>
+        <a:p>
+          <a:pPr latinLnBrk="1"/>
+          <a:endParaRPr lang="ko-KR" altLang="en-US"/>
+        </a:p>
+      </dgm:t>
     </dgm:pt>
     <dgm:pt modelId="{A4FFD226-4300-410E-96AB-FB5481FE22CA}" type="parTrans" cxnId="{CE52628A-B607-4123-A9BF-FDA1BD2EF842}">
       <dgm:prSet/>
@@ -4136,6 +4224,14 @@
     <dgm:pt modelId="{82501655-5197-4474-AC5B-0BC905E7CEC1}">
       <dgm:prSet phldrT="[텍스트]"/>
       <dgm:spPr/>
+      <dgm:t>
+        <a:bodyPr/>
+        <a:lstStyle/>
+        <a:p>
+          <a:pPr latinLnBrk="1"/>
+          <a:endParaRPr lang="ko-KR" altLang="en-US"/>
+        </a:p>
+      </dgm:t>
     </dgm:pt>
     <dgm:pt modelId="{3AFA3046-2954-4F08-9DD8-58D1A5691F75}" type="parTrans" cxnId="{0CE3E97A-C6CF-48A0-A01F-98CC9B4FE8CD}">
       <dgm:prSet/>
@@ -11450,7 +11546,7 @@
           <a:p>
             <a:fld id="{558A57CE-075C-4BF8-976C-AF210A760EA9}" type="datetimeFigureOut">
               <a:rPr lang="ko-KR" altLang="en-US" smtClean="0"/>
-              <a:t>2018-01-02</a:t>
+              <a:t>2018-01-05</a:t>
             </a:fld>
             <a:endParaRPr lang="ko-KR" altLang="en-US"/>
           </a:p>
@@ -11896,7 +11992,7 @@
           <a:p>
             <a:fld id="{5AB8D9B4-FCB9-4542-A184-7EC13267C87B}" type="datetimeFigureOut">
               <a:rPr lang="ko-KR" altLang="en-US" smtClean="0"/>
-              <a:t>2018-01-02</a:t>
+              <a:t>2018-01-05</a:t>
             </a:fld>
             <a:endParaRPr lang="ko-KR" altLang="en-US"/>
           </a:p>
@@ -12059,7 +12155,7 @@
           <a:p>
             <a:fld id="{5AB8D9B4-FCB9-4542-A184-7EC13267C87B}" type="datetimeFigureOut">
               <a:rPr lang="ko-KR" altLang="en-US" smtClean="0"/>
-              <a:t>2018-01-02</a:t>
+              <a:t>2018-01-05</a:t>
             </a:fld>
             <a:endParaRPr lang="ko-KR" altLang="en-US"/>
           </a:p>
@@ -12232,7 +12328,7 @@
           <a:p>
             <a:fld id="{5AB8D9B4-FCB9-4542-A184-7EC13267C87B}" type="datetimeFigureOut">
               <a:rPr lang="ko-KR" altLang="en-US" smtClean="0"/>
-              <a:t>2018-01-02</a:t>
+              <a:t>2018-01-05</a:t>
             </a:fld>
             <a:endParaRPr lang="ko-KR" altLang="en-US"/>
           </a:p>
@@ -12395,7 +12491,7 @@
           <a:p>
             <a:fld id="{5AB8D9B4-FCB9-4542-A184-7EC13267C87B}" type="datetimeFigureOut">
               <a:rPr lang="ko-KR" altLang="en-US" smtClean="0"/>
-              <a:t>2018-01-02</a:t>
+              <a:t>2018-01-05</a:t>
             </a:fld>
             <a:endParaRPr lang="ko-KR" altLang="en-US"/>
           </a:p>
@@ -12635,7 +12731,7 @@
           <a:p>
             <a:fld id="{5AB8D9B4-FCB9-4542-A184-7EC13267C87B}" type="datetimeFigureOut">
               <a:rPr lang="ko-KR" altLang="en-US" smtClean="0"/>
-              <a:t>2018-01-02</a:t>
+              <a:t>2018-01-05</a:t>
             </a:fld>
             <a:endParaRPr lang="ko-KR" altLang="en-US"/>
           </a:p>
@@ -12915,7 +13011,7 @@
           <a:p>
             <a:fld id="{5AB8D9B4-FCB9-4542-A184-7EC13267C87B}" type="datetimeFigureOut">
               <a:rPr lang="ko-KR" altLang="en-US" smtClean="0"/>
-              <a:t>2018-01-02</a:t>
+              <a:t>2018-01-05</a:t>
             </a:fld>
             <a:endParaRPr lang="ko-KR" altLang="en-US"/>
           </a:p>
@@ -13329,7 +13425,7 @@
           <a:p>
             <a:fld id="{5AB8D9B4-FCB9-4542-A184-7EC13267C87B}" type="datetimeFigureOut">
               <a:rPr lang="ko-KR" altLang="en-US" smtClean="0"/>
-              <a:t>2018-01-02</a:t>
+              <a:t>2018-01-05</a:t>
             </a:fld>
             <a:endParaRPr lang="ko-KR" altLang="en-US"/>
           </a:p>
@@ -13441,7 +13537,7 @@
           <a:p>
             <a:fld id="{5AB8D9B4-FCB9-4542-A184-7EC13267C87B}" type="datetimeFigureOut">
               <a:rPr lang="ko-KR" altLang="en-US" smtClean="0"/>
-              <a:t>2018-01-02</a:t>
+              <a:t>2018-01-05</a:t>
             </a:fld>
             <a:endParaRPr lang="ko-KR" altLang="en-US"/>
           </a:p>
@@ -13531,7 +13627,7 @@
           <a:p>
             <a:fld id="{5AB8D9B4-FCB9-4542-A184-7EC13267C87B}" type="datetimeFigureOut">
               <a:rPr lang="ko-KR" altLang="en-US" smtClean="0"/>
-              <a:t>2018-01-02</a:t>
+              <a:t>2018-01-05</a:t>
             </a:fld>
             <a:endParaRPr lang="ko-KR" altLang="en-US"/>
           </a:p>
@@ -13801,7 +13897,7 @@
           <a:p>
             <a:fld id="{5AB8D9B4-FCB9-4542-A184-7EC13267C87B}" type="datetimeFigureOut">
               <a:rPr lang="ko-KR" altLang="en-US" smtClean="0"/>
-              <a:t>2018-01-02</a:t>
+              <a:t>2018-01-05</a:t>
             </a:fld>
             <a:endParaRPr lang="ko-KR" altLang="en-US"/>
           </a:p>
@@ -14048,7 +14144,7 @@
           <a:p>
             <a:fld id="{5AB8D9B4-FCB9-4542-A184-7EC13267C87B}" type="datetimeFigureOut">
               <a:rPr lang="ko-KR" altLang="en-US" smtClean="0"/>
-              <a:t>2018-01-02</a:t>
+              <a:t>2018-01-05</a:t>
             </a:fld>
             <a:endParaRPr lang="ko-KR" altLang="en-US"/>
           </a:p>
@@ -14254,7 +14350,7 @@
           <a:p>
             <a:fld id="{5AB8D9B4-FCB9-4542-A184-7EC13267C87B}" type="datetimeFigureOut">
               <a:rPr lang="ko-KR" altLang="en-US" smtClean="0"/>
-              <a:t>2018-01-02</a:t>
+              <a:t>2018-01-05</a:t>
             </a:fld>
             <a:endParaRPr lang="ko-KR" altLang="en-US"/>
           </a:p>
@@ -14632,10 +14728,15 @@
           </p:cNvGraphicFramePr>
           <p:nvPr>
             <p:ph idx="1"/>
+            <p:extLst>
+              <p:ext uri="{D42A27DB-BD31-4B8C-83A1-F6EECF244321}">
+                <p14:modId xmlns:p14="http://schemas.microsoft.com/office/powerpoint/2010/main" val="483817924"/>
+              </p:ext>
+            </p:extLst>
           </p:nvPr>
         </p:nvGraphicFramePr>
         <p:xfrm>
-          <a:off x="2195736" y="-243408"/>
+          <a:off x="914400" y="-339965"/>
           <a:ext cx="8229600" cy="4525963"/>
         </p:xfrm>
         <a:graphic>
@@ -14648,10 +14749,16 @@
         <p:nvGraphicFramePr>
           <p:cNvPr id="11" name="다이어그램 10"/>
           <p:cNvGraphicFramePr/>
-          <p:nvPr/>
+          <p:nvPr>
+            <p:extLst>
+              <p:ext uri="{D42A27DB-BD31-4B8C-83A1-F6EECF244321}">
+                <p14:modId xmlns:p14="http://schemas.microsoft.com/office/powerpoint/2010/main" val="1848880385"/>
+              </p:ext>
+            </p:extLst>
+          </p:nvPr>
         </p:nvGraphicFramePr>
         <p:xfrm>
-          <a:off x="-1044624" y="2276872"/>
+          <a:off x="-1024597" y="2564904"/>
           <a:ext cx="6096000" cy="4064000"/>
         </p:xfrm>
         <a:graphic>
@@ -14664,10 +14771,16 @@
         <p:nvGraphicFramePr>
           <p:cNvPr id="17" name="다이어그램 16"/>
           <p:cNvGraphicFramePr/>
-          <p:nvPr/>
+          <p:nvPr>
+            <p:extLst>
+              <p:ext uri="{D42A27DB-BD31-4B8C-83A1-F6EECF244321}">
+                <p14:modId xmlns:p14="http://schemas.microsoft.com/office/powerpoint/2010/main" val="2151584575"/>
+              </p:ext>
+            </p:extLst>
+          </p:nvPr>
         </p:nvGraphicFramePr>
         <p:xfrm>
-          <a:off x="395536" y="2492896"/>
+          <a:off x="395536" y="2794000"/>
           <a:ext cx="6096000" cy="4064000"/>
         </p:xfrm>
         <a:graphic>
@@ -14682,10 +14795,16 @@
           <p:cNvGraphicFramePr>
             <a:graphicFrameLocks/>
           </p:cNvGraphicFramePr>
-          <p:nvPr/>
+          <p:nvPr>
+            <p:extLst>
+              <p:ext uri="{D42A27DB-BD31-4B8C-83A1-F6EECF244321}">
+                <p14:modId xmlns:p14="http://schemas.microsoft.com/office/powerpoint/2010/main" val="2791016953"/>
+              </p:ext>
+            </p:extLst>
+          </p:nvPr>
         </p:nvGraphicFramePr>
         <p:xfrm>
-          <a:off x="3779912" y="0"/>
+          <a:off x="2555776" y="-81738"/>
           <a:ext cx="8229600" cy="4525963"/>
         </p:xfrm>
         <a:graphic>
